--- a/説明資料/20210710説明資料_中国語.pptx
+++ b/説明資料/20210710説明資料_中国語.pptx
@@ -117,6 +117,11 @@
       </a:defRPr>
     </a:lvl9pPr>
   </p:defaultTextStyle>
+  <p:extLst>
+    <p:ext uri="{EFAFB233-063F-42B5-8137-9DF3F51BA10A}">
+      <p15:sldGuideLst xmlns:p15="http://schemas.microsoft.com/office/powerpoint/2012/main"/>
+    </p:ext>
+  </p:extLst>
 </p:presentation>
 </file>
 
@@ -9132,8 +9137,8 @@
         </p:nvSpPr>
         <p:spPr>
           <a:xfrm>
-            <a:off x="2297407" y="5903153"/>
-            <a:ext cx="3570208" cy="369332"/>
+            <a:off x="3179484" y="5624225"/>
+            <a:ext cx="1566454" cy="369332"/>
           </a:xfrm>
           <a:prstGeom prst="rect">
             <a:avLst/>
@@ -9153,14 +9158,6 @@
             <a:r>
               <a:rPr kumimoji="1" lang="zh-CN" altLang="en-US" dirty="0"/>
               <a:t>增加对比度</a:t>
-            </a:r>
-            <a:r>
-              <a:rPr kumimoji="1" lang="en-US" altLang="zh-CN" dirty="0"/>
-              <a:t>&amp;</a:t>
-            </a:r>
-            <a:r>
-              <a:rPr kumimoji="1" lang="zh-CN" altLang="en-US" dirty="0"/>
-              <a:t>设置灰度识别阈值</a:t>
             </a:r>
             <a:endParaRPr kumimoji="1" lang="ja-JP" altLang="en-US" dirty="0"/>
           </a:p>
@@ -9186,8 +9183,8 @@
             <a:chExt cx="4224948" cy="2564780"/>
           </a:xfrm>
         </p:grpSpPr>
-        <mc:AlternateContent xmlns:mc="http://schemas.openxmlformats.org/markup-compatibility/2006">
-          <mc:Choice xmlns:cx1="http://schemas.microsoft.com/office/drawing/2015/9/8/chartex" Requires="cx1">
+        <mc:AlternateContent xmlns:mc="http://schemas.openxmlformats.org/markup-compatibility/2006" xmlns:cx1="http://schemas.microsoft.com/office/drawing/2015/9/8/chartex">
+          <mc:Choice Requires="cx1">
             <p:graphicFrame>
               <p:nvGraphicFramePr>
                 <p:cNvPr id="19" name="グラフ 18">
@@ -9217,7 +9214,7 @@
               </a:graphic>
             </p:graphicFrame>
           </mc:Choice>
-          <mc:Fallback>
+          <mc:Fallback xmlns="">
             <p:pic>
               <p:nvPicPr>
                 <p:cNvPr id="19" name="グラフ 18">
